--- a/lezioni/tensione normale.pptx
+++ b/lezioni/tensione normale.pptx
@@ -9,8 +9,6 @@
     <p:sldId id="275" r:id="rId3"/>
     <p:sldId id="281" r:id="rId4"/>
     <p:sldId id="284" r:id="rId5"/>
-    <p:sldId id="282" r:id="rId6"/>
-    <p:sldId id="283" r:id="rId7"/>
   </p:sldIdLst>
   <p:sldSz cx="12192000" cy="6858000"/>
   <p:notesSz cx="6858000" cy="9144000"/>
@@ -266,7 +264,7 @@
           <a:p>
             <a:fld id="{FE656781-DA97-0D48-A464-349D03D16B8D}" type="datetimeFigureOut">
               <a:rPr lang="en-IT" smtClean="0"/>
-              <a:t>05/09/23</a:t>
+              <a:t>11/09/23</a:t>
             </a:fld>
             <a:endParaRPr lang="en-IT"/>
           </a:p>
@@ -466,7 +464,7 @@
           <a:p>
             <a:fld id="{FE656781-DA97-0D48-A464-349D03D16B8D}" type="datetimeFigureOut">
               <a:rPr lang="en-IT" smtClean="0"/>
-              <a:t>05/09/23</a:t>
+              <a:t>11/09/23</a:t>
             </a:fld>
             <a:endParaRPr lang="en-IT"/>
           </a:p>
@@ -676,7 +674,7 @@
           <a:p>
             <a:fld id="{FE656781-DA97-0D48-A464-349D03D16B8D}" type="datetimeFigureOut">
               <a:rPr lang="en-IT" smtClean="0"/>
-              <a:t>05/09/23</a:t>
+              <a:t>11/09/23</a:t>
             </a:fld>
             <a:endParaRPr lang="en-IT"/>
           </a:p>
@@ -876,7 +874,7 @@
           <a:p>
             <a:fld id="{FE656781-DA97-0D48-A464-349D03D16B8D}" type="datetimeFigureOut">
               <a:rPr lang="en-IT" smtClean="0"/>
-              <a:t>05/09/23</a:t>
+              <a:t>11/09/23</a:t>
             </a:fld>
             <a:endParaRPr lang="en-IT"/>
           </a:p>
@@ -1152,7 +1150,7 @@
           <a:p>
             <a:fld id="{FE656781-DA97-0D48-A464-349D03D16B8D}" type="datetimeFigureOut">
               <a:rPr lang="en-IT" smtClean="0"/>
-              <a:t>05/09/23</a:t>
+              <a:t>11/09/23</a:t>
             </a:fld>
             <a:endParaRPr lang="en-IT"/>
           </a:p>
@@ -1420,7 +1418,7 @@
           <a:p>
             <a:fld id="{FE656781-DA97-0D48-A464-349D03D16B8D}" type="datetimeFigureOut">
               <a:rPr lang="en-IT" smtClean="0"/>
-              <a:t>05/09/23</a:t>
+              <a:t>11/09/23</a:t>
             </a:fld>
             <a:endParaRPr lang="en-IT"/>
           </a:p>
@@ -1835,7 +1833,7 @@
           <a:p>
             <a:fld id="{FE656781-DA97-0D48-A464-349D03D16B8D}" type="datetimeFigureOut">
               <a:rPr lang="en-IT" smtClean="0"/>
-              <a:t>05/09/23</a:t>
+              <a:t>11/09/23</a:t>
             </a:fld>
             <a:endParaRPr lang="en-IT"/>
           </a:p>
@@ -1977,7 +1975,7 @@
           <a:p>
             <a:fld id="{FE656781-DA97-0D48-A464-349D03D16B8D}" type="datetimeFigureOut">
               <a:rPr lang="en-IT" smtClean="0"/>
-              <a:t>05/09/23</a:t>
+              <a:t>11/09/23</a:t>
             </a:fld>
             <a:endParaRPr lang="en-IT"/>
           </a:p>
@@ -2090,7 +2088,7 @@
           <a:p>
             <a:fld id="{FE656781-DA97-0D48-A464-349D03D16B8D}" type="datetimeFigureOut">
               <a:rPr lang="en-IT" smtClean="0"/>
-              <a:t>05/09/23</a:t>
+              <a:t>11/09/23</a:t>
             </a:fld>
             <a:endParaRPr lang="en-IT"/>
           </a:p>
@@ -2403,7 +2401,7 @@
           <a:p>
             <a:fld id="{FE656781-DA97-0D48-A464-349D03D16B8D}" type="datetimeFigureOut">
               <a:rPr lang="en-IT" smtClean="0"/>
-              <a:t>05/09/23</a:t>
+              <a:t>11/09/23</a:t>
             </a:fld>
             <a:endParaRPr lang="en-IT"/>
           </a:p>
@@ -2692,7 +2690,7 @@
           <a:p>
             <a:fld id="{FE656781-DA97-0D48-A464-349D03D16B8D}" type="datetimeFigureOut">
               <a:rPr lang="en-IT" smtClean="0"/>
-              <a:t>05/09/23</a:t>
+              <a:t>11/09/23</a:t>
             </a:fld>
             <a:endParaRPr lang="en-IT"/>
           </a:p>
@@ -2935,7 +2933,7 @@
           <a:p>
             <a:fld id="{FE656781-DA97-0D48-A464-349D03D16B8D}" type="datetimeFigureOut">
               <a:rPr lang="en-IT" smtClean="0"/>
-              <a:t>05/09/23</a:t>
+              <a:t>11/09/23</a:t>
             </a:fld>
             <a:endParaRPr lang="en-IT"/>
           </a:p>
@@ -3860,317 +3858,6 @@
 </p:sld>
 </file>
 
-<file path=ppt/slides/slide5.xml><?xml version="1.0" encoding="utf-8"?>
-<p:sld xmlns:a="http://schemas.openxmlformats.org/drawingml/2006/main" xmlns:r="http://schemas.openxmlformats.org/officeDocument/2006/relationships" xmlns:p="http://schemas.openxmlformats.org/presentationml/2006/main">
-  <p:cSld>
-    <p:spTree>
-      <p:nvGrpSpPr>
-        <p:cNvPr id="1" name=""/>
-        <p:cNvGrpSpPr/>
-        <p:nvPr/>
-      </p:nvGrpSpPr>
-      <p:grpSpPr>
-        <a:xfrm>
-          <a:off x="0" y="0"/>
-          <a:ext cx="0" cy="0"/>
-          <a:chOff x="0" y="0"/>
-          <a:chExt cx="0" cy="0"/>
-        </a:xfrm>
-      </p:grpSpPr>
-      <p:sp>
-        <p:nvSpPr>
-          <p:cNvPr id="2" name="Title 1">
-            <a:extLst>
-              <a:ext uri="{FF2B5EF4-FFF2-40B4-BE49-F238E27FC236}">
-                <a16:creationId xmlns:a16="http://schemas.microsoft.com/office/drawing/2014/main" id="{FF5B570E-5486-55FD-95C2-44AAF71745E5}"/>
-              </a:ext>
-            </a:extLst>
-          </p:cNvPr>
-          <p:cNvSpPr>
-            <a:spLocks noGrp="1"/>
-          </p:cNvSpPr>
-          <p:nvPr>
-            <p:ph type="title"/>
-          </p:nvPr>
-        </p:nvSpPr>
-        <p:spPr>
-          <a:xfrm>
-            <a:off x="0" y="-263526"/>
-            <a:ext cx="10515600" cy="1325563"/>
-          </a:xfrm>
-        </p:spPr>
-        <p:txBody>
-          <a:bodyPr/>
-          <a:lstStyle/>
-          <a:p>
-            <a:r>
-              <a:rPr lang="en-IT" dirty="0"/>
-              <a:t>Esercizio</a:t>
-            </a:r>
-          </a:p>
-        </p:txBody>
-      </p:sp>
-      <p:pic>
-        <p:nvPicPr>
-          <p:cNvPr id="10" name="Picture 9" descr="\documentclass{article}&#10;\usepackage{amsmath,bbm,mathrsfs}&#10;\setlength\parindent{0em}&#10;\usepackage{geometry}&#10;\geometry{textwidth=8cm}&#10;\setlength\parskip{1em}&#10;\pagestyle{empty}&#10;\begin{document}&#10;&#10;&#10;Se l'incastro in legno ha uno spessore di \(150 \, \text{mm}\), determinare lo sforzo di taglio medio lungo i piani \(a-a\) e \(b-b\) dell'elemento collegato. Per ogni piano, rappresentare lo stato di sollecitazione su un elemento del materiale.&#10;&#10;\end{document}" title="IguanaTex Bitmap Display">
-            <a:extLst>
-              <a:ext uri="{FF2B5EF4-FFF2-40B4-BE49-F238E27FC236}">
-                <a16:creationId xmlns:a16="http://schemas.microsoft.com/office/drawing/2014/main" id="{A23842F4-94EE-0729-B7A9-992E939913BE}"/>
-              </a:ext>
-            </a:extLst>
-          </p:cNvPr>
-          <p:cNvPicPr>
-            <a:picLocks noChangeAspect="1"/>
-          </p:cNvPicPr>
-          <p:nvPr>
-            <p:custDataLst>
-              <p:tags r:id="rId1"/>
-            </p:custDataLst>
-          </p:nvPr>
-        </p:nvPicPr>
-        <p:blipFill>
-          <a:blip r:embed="rId3"/>
-          <a:stretch>
-            <a:fillRect/>
-          </a:stretch>
-        </p:blipFill>
-        <p:spPr>
-          <a:xfrm>
-            <a:off x="5962102" y="2053732"/>
-            <a:ext cx="5765800" cy="1397000"/>
-          </a:xfrm>
-          <a:prstGeom prst="rect">
-            <a:avLst/>
-          </a:prstGeom>
-        </p:spPr>
-      </p:pic>
-      <p:pic>
-        <p:nvPicPr>
-          <p:cNvPr id="8" name="Picture 7">
-            <a:extLst>
-              <a:ext uri="{FF2B5EF4-FFF2-40B4-BE49-F238E27FC236}">
-                <a16:creationId xmlns:a16="http://schemas.microsoft.com/office/drawing/2014/main" id="{4755F1BE-2284-11C0-FA6F-B6C2957389CB}"/>
-              </a:ext>
-            </a:extLst>
-          </p:cNvPr>
-          <p:cNvPicPr>
-            <a:picLocks noChangeAspect="1"/>
-          </p:cNvPicPr>
-          <p:nvPr/>
-        </p:nvPicPr>
-        <p:blipFill>
-          <a:blip r:embed="rId4"/>
-          <a:stretch>
-            <a:fillRect/>
-          </a:stretch>
-        </p:blipFill>
-        <p:spPr>
-          <a:xfrm>
-            <a:off x="248964" y="1421907"/>
-            <a:ext cx="4737100" cy="2540000"/>
-          </a:xfrm>
-          <a:prstGeom prst="rect">
-            <a:avLst/>
-          </a:prstGeom>
-        </p:spPr>
-      </p:pic>
-    </p:spTree>
-    <p:extLst>
-      <p:ext uri="{BB962C8B-B14F-4D97-AF65-F5344CB8AC3E}">
-        <p14:creationId xmlns:p14="http://schemas.microsoft.com/office/powerpoint/2010/main" val="731083069"/>
-      </p:ext>
-    </p:extLst>
-  </p:cSld>
-  <p:clrMapOvr>
-    <a:masterClrMapping/>
-  </p:clrMapOvr>
-</p:sld>
-</file>
-
-<file path=ppt/slides/slide6.xml><?xml version="1.0" encoding="utf-8"?>
-<p:sld xmlns:a="http://schemas.openxmlformats.org/drawingml/2006/main" xmlns:r="http://schemas.openxmlformats.org/officeDocument/2006/relationships" xmlns:p="http://schemas.openxmlformats.org/presentationml/2006/main">
-  <p:cSld>
-    <p:spTree>
-      <p:nvGrpSpPr>
-        <p:cNvPr id="1" name=""/>
-        <p:cNvGrpSpPr/>
-        <p:nvPr/>
-      </p:nvGrpSpPr>
-      <p:grpSpPr>
-        <a:xfrm>
-          <a:off x="0" y="0"/>
-          <a:ext cx="0" cy="0"/>
-          <a:chOff x="0" y="0"/>
-          <a:chExt cx="0" cy="0"/>
-        </a:xfrm>
-      </p:grpSpPr>
-      <p:pic>
-        <p:nvPicPr>
-          <p:cNvPr id="14" name="Picture 13" descr="\documentclass{article}&#10;\usepackage{amsmath,bbm,mathrsfs}&#10;\setlength\parindent{0em}&#10;\usepackage{geometry}&#10;\geometry{textwidth=10cm}&#10;\setlength\parskip{1em}&#10;\pagestyle{empty}&#10;\begin{document}&#10;&#10;&#10;Riferendosi al diagramma delle forze sul corpo libero &#10;$$&#10;\stackrel{+}{\rightarrow} F_x = 0 ; \quad 6 \, \text{kN} - F - F = 0 \quad F = 3 \, \text{kN}&#10;$$&#10;Ora consideriamo l'equilibrio dei segmenti tagliati lungo i piani di taglio \(a-a\) e \(b-b\), mostrati nelle Fig. \(1-22 c\) e \(1-22 d\).&#10;$$&#10;\begin{aligned}&#10;&amp; \stackrel{\Sigma}{\rightarrow} F_x = 0 ; \quad V_a - 3 \, \text{kN} = 0 \quad V_a = 3 \, \text{kN} \\&#10;&amp; \stackrel{\pm}{\rightarrow} F_x = 0 ; \quad 3 \, \text{kN} - V_b = 0 \quad V_b = 3 \, \text{kN} \&#10;\end{aligned}&#10;$$&#10;&#10;$$&#10;\begin{aligned}&#10;&amp; \left( \tau_a \right)_{\text{avg}} = \frac{V_a}{A_a} = \frac{3 \times 10^3 \, \text{N}}{(0.1 \, \text{m}) (0.15 \, \text{m})} = 200 \, \text{kPa} \\&#10;&amp; \left( \tau_b \right)_{\text{avg}} = \frac{V_b}{A_b} = \frac{3 \times 10^3 \, \text{N}}{(0.125 \, \text{m}) (0.15 \, \text{m})} = 160 \, \text{kPa} \&#10;\end{aligned}&#10;$$&#10;&#10;&#10;Lo stato di sollecitazione sugli elementi situati sulle sezioni \(a-a\) e \(b-b\) è mostrato nelle c e d.&#10;&#10;&#10;&#10;\end{document}" title="IguanaTex Bitmap Display">
-            <a:extLst>
-              <a:ext uri="{FF2B5EF4-FFF2-40B4-BE49-F238E27FC236}">
-                <a16:creationId xmlns:a16="http://schemas.microsoft.com/office/drawing/2014/main" id="{5475F346-B9C6-661B-032B-D24BE5301F2C}"/>
-              </a:ext>
-            </a:extLst>
-          </p:cNvPr>
-          <p:cNvPicPr>
-            <a:picLocks noChangeAspect="1"/>
-          </p:cNvPicPr>
-          <p:nvPr>
-            <p:custDataLst>
-              <p:tags r:id="rId1"/>
-            </p:custDataLst>
-          </p:nvPr>
-        </p:nvPicPr>
-        <p:blipFill>
-          <a:blip r:embed="rId3"/>
-          <a:stretch>
-            <a:fillRect/>
-          </a:stretch>
-        </p:blipFill>
-        <p:spPr>
-          <a:xfrm>
-            <a:off x="6168231" y="226520"/>
-            <a:ext cx="5103813" cy="4003699"/>
-          </a:xfrm>
-          <a:prstGeom prst="rect">
-            <a:avLst/>
-          </a:prstGeom>
-        </p:spPr>
-      </p:pic>
-      <p:pic>
-        <p:nvPicPr>
-          <p:cNvPr id="9" name="Picture 8">
-            <a:extLst>
-              <a:ext uri="{FF2B5EF4-FFF2-40B4-BE49-F238E27FC236}">
-                <a16:creationId xmlns:a16="http://schemas.microsoft.com/office/drawing/2014/main" id="{5661D69C-E232-C07D-2777-38C307E6F1F6}"/>
-              </a:ext>
-            </a:extLst>
-          </p:cNvPr>
-          <p:cNvPicPr>
-            <a:picLocks noChangeAspect="1"/>
-          </p:cNvPicPr>
-          <p:nvPr/>
-        </p:nvPicPr>
-        <p:blipFill>
-          <a:blip r:embed="rId4"/>
-          <a:stretch>
-            <a:fillRect/>
-          </a:stretch>
-        </p:blipFill>
-        <p:spPr>
-          <a:xfrm>
-            <a:off x="254767" y="2962768"/>
-            <a:ext cx="3429000" cy="2032000"/>
-          </a:xfrm>
-          <a:prstGeom prst="rect">
-            <a:avLst/>
-          </a:prstGeom>
-        </p:spPr>
-      </p:pic>
-      <p:pic>
-        <p:nvPicPr>
-          <p:cNvPr id="10" name="Picture 9">
-            <a:extLst>
-              <a:ext uri="{FF2B5EF4-FFF2-40B4-BE49-F238E27FC236}">
-                <a16:creationId xmlns:a16="http://schemas.microsoft.com/office/drawing/2014/main" id="{88F95BD8-1D6B-A77E-CCA4-36DAC5AD578C}"/>
-              </a:ext>
-            </a:extLst>
-          </p:cNvPr>
-          <p:cNvPicPr>
-            <a:picLocks noChangeAspect="1"/>
-          </p:cNvPicPr>
-          <p:nvPr/>
-        </p:nvPicPr>
-        <p:blipFill>
-          <a:blip r:embed="rId5"/>
-          <a:stretch>
-            <a:fillRect/>
-          </a:stretch>
-        </p:blipFill>
-        <p:spPr>
-          <a:xfrm>
-            <a:off x="254767" y="226520"/>
-            <a:ext cx="4737100" cy="2540000"/>
-          </a:xfrm>
-          <a:prstGeom prst="rect">
-            <a:avLst/>
-          </a:prstGeom>
-        </p:spPr>
-      </p:pic>
-      <p:pic>
-        <p:nvPicPr>
-          <p:cNvPr id="11" name="Picture 10">
-            <a:extLst>
-              <a:ext uri="{FF2B5EF4-FFF2-40B4-BE49-F238E27FC236}">
-                <a16:creationId xmlns:a16="http://schemas.microsoft.com/office/drawing/2014/main" id="{A6743EBE-58FE-2C97-20A9-A6E5D05ECFEB}"/>
-              </a:ext>
-            </a:extLst>
-          </p:cNvPr>
-          <p:cNvPicPr>
-            <a:picLocks noChangeAspect="1"/>
-          </p:cNvPicPr>
-          <p:nvPr/>
-        </p:nvPicPr>
-        <p:blipFill>
-          <a:blip r:embed="rId6"/>
-          <a:stretch>
-            <a:fillRect/>
-          </a:stretch>
-        </p:blipFill>
-        <p:spPr>
-          <a:xfrm>
-            <a:off x="254767" y="5262453"/>
-            <a:ext cx="4013200" cy="1587500"/>
-          </a:xfrm>
-          <a:prstGeom prst="rect">
-            <a:avLst/>
-          </a:prstGeom>
-        </p:spPr>
-      </p:pic>
-      <p:pic>
-        <p:nvPicPr>
-          <p:cNvPr id="12" name="Picture 11">
-            <a:extLst>
-              <a:ext uri="{FF2B5EF4-FFF2-40B4-BE49-F238E27FC236}">
-                <a16:creationId xmlns:a16="http://schemas.microsoft.com/office/drawing/2014/main" id="{2ADAA5E3-37C7-C0F9-4663-637920970E06}"/>
-              </a:ext>
-            </a:extLst>
-          </p:cNvPr>
-          <p:cNvPicPr>
-            <a:picLocks noChangeAspect="1"/>
-          </p:cNvPicPr>
-          <p:nvPr/>
-        </p:nvPicPr>
-        <p:blipFill>
-          <a:blip r:embed="rId7"/>
-          <a:stretch>
-            <a:fillRect/>
-          </a:stretch>
-        </p:blipFill>
-        <p:spPr>
-          <a:xfrm>
-            <a:off x="4948237" y="5215202"/>
-            <a:ext cx="3771900" cy="1536700"/>
-          </a:xfrm>
-          <a:prstGeom prst="rect">
-            <a:avLst/>
-          </a:prstGeom>
-        </p:spPr>
-      </p:pic>
-    </p:spTree>
-    <p:extLst>
-      <p:ext uri="{BB962C8B-B14F-4D97-AF65-F5344CB8AC3E}">
-        <p14:creationId xmlns:p14="http://schemas.microsoft.com/office/powerpoint/2010/main" val="567659821"/>
-      </p:ext>
-    </p:extLst>
-  </p:cSld>
-  <p:clrMapOvr>
-    <a:masterClrMapping/>
-  </p:clrMapOvr>
-</p:sld>
-</file>
-
 <file path=ppt/tags/tag1.xml><?xml version="1.0" encoding="utf-8"?>
 <p:tagLst xmlns:a="http://schemas.openxmlformats.org/drawingml/2006/main" xmlns:r="http://schemas.openxmlformats.org/officeDocument/2006/relationships" xmlns:p="http://schemas.openxmlformats.org/presentationml/2006/main">
   <p:tag name="OUTPUTDPI" val="1200"/>
@@ -4241,46 +3928,6 @@
   <p:tag name="LATEXADDIN" val="\documentclass{article}&#10;\usepackage{amsmath,bbm,mathrsfs}&#10;\setlength\parindent{0em}&#10;\usepackage{geometry}&#10;\geometry{textwidth=10cm}&#10;\setlength\parskip{1em}&#10;\pagestyle{empty}&#10;\begin{document}&#10;&#10;&#10;Le forze assiali interne nelle regioni \(AB, BC\), e \(CD\) sono tutte costanti ma hanno intensit\`a diverse. &#10;&#10;Utilizzando il metodo delle sezioni, le azioni interne sono mostrate nei diagrammi delle forze sul corpo libero dei segmenti di sinistra mostrati in Fig. 1-15b. &#10;&#10;Il diagramma delle forze normali, che rappresenta graficamente questi risultati, è mostrato in Fig. 1-15c. Il carico più grande è nella regione \(BC\), dove \(N_{BC} = 30 \, \text{kN}\). Poiché l'area della sezione trasversale della barra è costante, la più grande tensione normale media si verifica anche all'interno di questa regione della barra.&#10;&#10;Tensione Normale Media. Abbiamo&#10;\[&#10;\sigma_{BC} = \frac{N_{BC}}{A} = \frac{30 \times 10^3 \, \text{N}}{(0.035 \, \text{m})(0.010 \, \text{m})} = 85.7 \, \text{MPa} \quad \text{Risposta.}&#10;\]&#10;&#10;La distribuzione degli sforzi che agiscono su una sezione trasversale arbitraria della barra all'interno della regione \(BC\) è mostrata in Fig. \(1-15 d\).&#10;&#10;\end{document}"/>
   <p:tag name="IGUANATEXSIZE" val="20"/>
   <p:tag name="IGUANATEXCURSOR" val="843"/>
-  <p:tag name="TRANSPARENCY" val="True"/>
-  <p:tag name="LATEXENGINEID" val="0"/>
-  <p:tag name="TEMPFOLDER" val="/private/var/folders/bl/qr6kzqqj6dq26b3546l3vykm0000gn/T/com.microsoft.Powerpoint/TemporaryItems/"/>
-  <p:tag name="LATEXFORMHEIGHT" val="426,65"/>
-  <p:tag name="LATEXFORMWIDTH" val="513,35"/>
-  <p:tag name="LATEXFORMWRAP" val="True"/>
-  <p:tag name="BITMAPVECTOR" val="0"/>
-</p:tagLst>
-</file>
-
-<file path=ppt/tags/tag5.xml><?xml version="1.0" encoding="utf-8"?>
-<p:tagLst xmlns:a="http://schemas.openxmlformats.org/drawingml/2006/main" xmlns:r="http://schemas.openxmlformats.org/officeDocument/2006/relationships" xmlns:p="http://schemas.openxmlformats.org/presentationml/2006/main">
-  <p:tag name="OUTPUTDPI" val="1200"/>
-  <p:tag name="ORIGINALHEIGHT" val="55"/>
-  <p:tag name="ORIGINALWIDTH" val="227"/>
-  <p:tag name="OUTPUTTYPE" val="PDF"/>
-  <p:tag name="IGUANATEXVERSION" val="160"/>
-  <p:tag name="LATEXADDIN" val="\documentclass{article}&#10;\usepackage{amsmath,bbm,mathrsfs}&#10;\setlength\parindent{0em}&#10;\usepackage{geometry}&#10;\geometry{textwidth=8cm}&#10;\setlength\parskip{1em}&#10;\pagestyle{empty}&#10;\begin{document}&#10;&#10;&#10;Se l'incastro in legno ha uno spessore di \(150 \, \text{mm}\), determinare lo sforzo di taglio medio lungo i piani \(a-a\) e \(b-b\) dell'elemento collegato. Per ogni piano, rappresentare lo stato di sollecitazione su un elemento del materiale.&#10;&#10;\end{document}"/>
-  <p:tag name="IGUANATEXSIZE" val="20"/>
-  <p:tag name="IGUANATEXCURSOR" val="127"/>
-  <p:tag name="TRANSPARENCY" val="True"/>
-  <p:tag name="LATEXENGINEID" val="0"/>
-  <p:tag name="TEMPFOLDER" val="/private/var/folders/bl/qr6kzqqj6dq26b3546l3vykm0000gn/T/com.microsoft.Powerpoint/TemporaryItems/"/>
-  <p:tag name="LATEXFORMHEIGHT" val="426,65"/>
-  <p:tag name="LATEXFORMWIDTH" val="513,35"/>
-  <p:tag name="LATEXFORMWRAP" val="True"/>
-  <p:tag name="BITMAPVECTOR" val="0"/>
-</p:tagLst>
-</file>
-
-<file path=ppt/tags/tag6.xml><?xml version="1.0" encoding="utf-8"?>
-<p:tagLst xmlns:a="http://schemas.openxmlformats.org/drawingml/2006/main" xmlns:r="http://schemas.openxmlformats.org/officeDocument/2006/relationships" xmlns:p="http://schemas.openxmlformats.org/presentationml/2006/main">
-  <p:tag name="OUTPUTDPI" val="1200"/>
-  <p:tag name="ORIGINALHEIGHT" val="222"/>
-  <p:tag name="ORIGINALWIDTH" val="283"/>
-  <p:tag name="OUTPUTTYPE" val="PDF"/>
-  <p:tag name="IGUANATEXVERSION" val="160"/>
-  <p:tag name="LATEXADDIN" val="\documentclass{article}&#10;\usepackage{amsmath,bbm,mathrsfs}&#10;\setlength\parindent{0em}&#10;\usepackage{geometry}&#10;\geometry{textwidth=10cm}&#10;\setlength\parskip{1em}&#10;\pagestyle{empty}&#10;\begin{document}&#10;&#10;&#10;Riferendosi al diagramma delle forze sul corpo libero &#10;$$&#10;\stackrel{+}{\rightarrow} F_x = 0 ; \quad 6 \, \text{kN} - F - F = 0 \quad F = 3 \, \text{kN}&#10;$$&#10;Ora consideriamo l'equilibrio dei segmenti tagliati lungo i piani di taglio \(a-a\) e \(b-b\), mostrati nelle Fig. \(1-22 c\) e \(1-22 d\).&#10;$$&#10;\begin{aligned}&#10;&amp; \stackrel{\Sigma}{\rightarrow} F_x = 0 ; \quad V_a - 3 \, \text{kN} = 0 \quad V_a = 3 \, \text{kN} \\&#10;&amp; \stackrel{\pm}{\rightarrow} F_x = 0 ; \quad 3 \, \text{kN} - V_b = 0 \quad V_b = 3 \, \text{kN} \&#10;\end{aligned}&#10;$$&#10;&#10;$$&#10;\begin{aligned}&#10;&amp; \left( \tau_a \right)_{\text{avg}} = \frac{V_a}{A_a} = \frac{3 \times 10^3 \, \text{N}}{(0.1 \, \text{m}) (0.15 \, \text{m})} = 200 \, \text{kPa} \\&#10;&amp; \left( \tau_b \right)_{\text{avg}} = \frac{V_b}{A_b} = \frac{3 \times 10^3 \, \text{N}}{(0.125 \, \text{m}) (0.15 \, \text{m})} = 160 \, \text{kPa} \&#10;\end{aligned}&#10;$$&#10;&#10;&#10;Lo stato di sollecitazione sugli elementi situati sulle sezioni \(a-a\) e \(b-b\) è mostrato nelle c e d.&#10;&#10;&#10;&#10;\end{document}"/>
-  <p:tag name="IGUANATEXSIZE" val="20"/>
-  <p:tag name="IGUANATEXCURSOR" val="1175"/>
   <p:tag name="TRANSPARENCY" val="True"/>
   <p:tag name="LATEXENGINEID" val="0"/>
   <p:tag name="TEMPFOLDER" val="/private/var/folders/bl/qr6kzqqj6dq26b3546l3vykm0000gn/T/com.microsoft.Powerpoint/TemporaryItems/"/>

--- a/lezioni/tensione normale.pptx
+++ b/lezioni/tensione normale.pptx
@@ -264,7 +264,7 @@
           <a:p>
             <a:fld id="{FE656781-DA97-0D48-A464-349D03D16B8D}" type="datetimeFigureOut">
               <a:rPr lang="en-IT" smtClean="0"/>
-              <a:t>11/09/23</a:t>
+              <a:t>26/09/23</a:t>
             </a:fld>
             <a:endParaRPr lang="en-IT"/>
           </a:p>
@@ -464,7 +464,7 @@
           <a:p>
             <a:fld id="{FE656781-DA97-0D48-A464-349D03D16B8D}" type="datetimeFigureOut">
               <a:rPr lang="en-IT" smtClean="0"/>
-              <a:t>11/09/23</a:t>
+              <a:t>26/09/23</a:t>
             </a:fld>
             <a:endParaRPr lang="en-IT"/>
           </a:p>
@@ -674,7 +674,7 @@
           <a:p>
             <a:fld id="{FE656781-DA97-0D48-A464-349D03D16B8D}" type="datetimeFigureOut">
               <a:rPr lang="en-IT" smtClean="0"/>
-              <a:t>11/09/23</a:t>
+              <a:t>26/09/23</a:t>
             </a:fld>
             <a:endParaRPr lang="en-IT"/>
           </a:p>
@@ -874,7 +874,7 @@
           <a:p>
             <a:fld id="{FE656781-DA97-0D48-A464-349D03D16B8D}" type="datetimeFigureOut">
               <a:rPr lang="en-IT" smtClean="0"/>
-              <a:t>11/09/23</a:t>
+              <a:t>26/09/23</a:t>
             </a:fld>
             <a:endParaRPr lang="en-IT"/>
           </a:p>
@@ -1150,7 +1150,7 @@
           <a:p>
             <a:fld id="{FE656781-DA97-0D48-A464-349D03D16B8D}" type="datetimeFigureOut">
               <a:rPr lang="en-IT" smtClean="0"/>
-              <a:t>11/09/23</a:t>
+              <a:t>26/09/23</a:t>
             </a:fld>
             <a:endParaRPr lang="en-IT"/>
           </a:p>
@@ -1418,7 +1418,7 @@
           <a:p>
             <a:fld id="{FE656781-DA97-0D48-A464-349D03D16B8D}" type="datetimeFigureOut">
               <a:rPr lang="en-IT" smtClean="0"/>
-              <a:t>11/09/23</a:t>
+              <a:t>26/09/23</a:t>
             </a:fld>
             <a:endParaRPr lang="en-IT"/>
           </a:p>
@@ -1833,7 +1833,7 @@
           <a:p>
             <a:fld id="{FE656781-DA97-0D48-A464-349D03D16B8D}" type="datetimeFigureOut">
               <a:rPr lang="en-IT" smtClean="0"/>
-              <a:t>11/09/23</a:t>
+              <a:t>26/09/23</a:t>
             </a:fld>
             <a:endParaRPr lang="en-IT"/>
           </a:p>
@@ -1975,7 +1975,7 @@
           <a:p>
             <a:fld id="{FE656781-DA97-0D48-A464-349D03D16B8D}" type="datetimeFigureOut">
               <a:rPr lang="en-IT" smtClean="0"/>
-              <a:t>11/09/23</a:t>
+              <a:t>26/09/23</a:t>
             </a:fld>
             <a:endParaRPr lang="en-IT"/>
           </a:p>
@@ -2088,7 +2088,7 @@
           <a:p>
             <a:fld id="{FE656781-DA97-0D48-A464-349D03D16B8D}" type="datetimeFigureOut">
               <a:rPr lang="en-IT" smtClean="0"/>
-              <a:t>11/09/23</a:t>
+              <a:t>26/09/23</a:t>
             </a:fld>
             <a:endParaRPr lang="en-IT"/>
           </a:p>
@@ -2401,7 +2401,7 @@
           <a:p>
             <a:fld id="{FE656781-DA97-0D48-A464-349D03D16B8D}" type="datetimeFigureOut">
               <a:rPr lang="en-IT" smtClean="0"/>
-              <a:t>11/09/23</a:t>
+              <a:t>26/09/23</a:t>
             </a:fld>
             <a:endParaRPr lang="en-IT"/>
           </a:p>
@@ -2690,7 +2690,7 @@
           <a:p>
             <a:fld id="{FE656781-DA97-0D48-A464-349D03D16B8D}" type="datetimeFigureOut">
               <a:rPr lang="en-IT" smtClean="0"/>
-              <a:t>11/09/23</a:t>
+              <a:t>26/09/23</a:t>
             </a:fld>
             <a:endParaRPr lang="en-IT"/>
           </a:p>
@@ -2933,7 +2933,7 @@
           <a:p>
             <a:fld id="{FE656781-DA97-0D48-A464-349D03D16B8D}" type="datetimeFigureOut">
               <a:rPr lang="en-IT" smtClean="0"/>
-              <a:t>11/09/23</a:t>
+              <a:t>26/09/23</a:t>
             </a:fld>
             <a:endParaRPr lang="en-IT"/>
           </a:p>
@@ -3373,8 +3373,13 @@
           <a:p>
             <a:r>
               <a:rPr lang="en-IT" dirty="0"/>
-              <a:t>Esercizi su tensioni normali e tangenziali</a:t>
-            </a:r>
+              <a:t>Esercizi su </a:t>
+            </a:r>
+            <a:r>
+              <a:rPr lang="en-IT"/>
+              <a:t>tensioni normali</a:t>
+            </a:r>
+            <a:endParaRPr lang="en-IT" dirty="0"/>
           </a:p>
         </p:txBody>
       </p:sp>
